--- a/Project-Proposal/Section 3.0/Flick Stick Presentation.pptx
+++ b/Project-Proposal/Section 3.0/Flick Stick Presentation.pptx
@@ -13,7 +13,10 @@
     <p:sldId id="264" r:id="rId7"/>
     <p:sldId id="265" r:id="rId8"/>
     <p:sldId id="266" r:id="rId9"/>
-    <p:sldId id="257" r:id="rId10"/>
+    <p:sldId id="268" r:id="rId10"/>
+    <p:sldId id="269" r:id="rId11"/>
+    <p:sldId id="257" r:id="rId12"/>
+    <p:sldId id="267" r:id="rId13"/>
   </p:sldIdLst>
   <p:sldSz cx="12192000" cy="6858000"/>
   <p:notesSz cx="6858000" cy="9144000"/>
@@ -5903,6 +5906,265 @@
 </p:sld>
 </file>
 
+<file path=ppt/slides/slide10.xml><?xml version="1.0" encoding="utf-8"?>
+<p:sld xmlns:a="http://schemas.openxmlformats.org/drawingml/2006/main" xmlns:r="http://schemas.openxmlformats.org/officeDocument/2006/relationships" xmlns:p="http://schemas.openxmlformats.org/presentationml/2006/main">
+  <p:cSld>
+    <p:spTree>
+      <p:nvGrpSpPr>
+        <p:cNvPr id="1" name=""/>
+        <p:cNvGrpSpPr/>
+        <p:nvPr/>
+      </p:nvGrpSpPr>
+      <p:grpSpPr>
+        <a:xfrm>
+          <a:off x="0" y="0"/>
+          <a:ext cx="0" cy="0"/>
+          <a:chOff x="0" y="0"/>
+          <a:chExt cx="0" cy="0"/>
+        </a:xfrm>
+      </p:grpSpPr>
+      <p:sp>
+        <p:nvSpPr>
+          <p:cNvPr id="2" name="Title 1"/>
+          <p:cNvSpPr>
+            <a:spLocks noGrp="1"/>
+          </p:cNvSpPr>
+          <p:nvPr>
+            <p:ph type="title"/>
+          </p:nvPr>
+        </p:nvSpPr>
+        <p:spPr/>
+        <p:txBody>
+          <a:bodyPr/>
+          <a:lstStyle/>
+          <a:p>
+            <a:pPr algn="ctr"/>
+            <a:r>
+              <a:rPr lang="en-US" dirty="0" smtClean="0"/>
+              <a:t>Preliminary Schedule</a:t>
+            </a:r>
+            <a:endParaRPr lang="en-US" dirty="0"/>
+          </a:p>
+        </p:txBody>
+      </p:sp>
+      <p:sp>
+        <p:nvSpPr>
+          <p:cNvPr id="3" name="Content Placeholder 2"/>
+          <p:cNvSpPr>
+            <a:spLocks noGrp="1"/>
+          </p:cNvSpPr>
+          <p:nvPr>
+            <p:ph idx="1"/>
+          </p:nvPr>
+        </p:nvSpPr>
+        <p:spPr/>
+        <p:txBody>
+          <a:bodyPr>
+            <a:normAutofit/>
+          </a:bodyPr>
+          <a:lstStyle/>
+          <a:p>
+            <a:r>
+              <a:rPr lang="en-US" sz="2400" dirty="0" smtClean="0"/>
+              <a:t>Week 3 – Preliminary Research</a:t>
+            </a:r>
+          </a:p>
+          <a:p>
+            <a:r>
+              <a:rPr lang="en-US" sz="2400" dirty="0" smtClean="0"/>
+              <a:t>Week 4 - Java</a:t>
+            </a:r>
+          </a:p>
+          <a:p>
+            <a:r>
+              <a:rPr lang="en-US" sz="2400" dirty="0" smtClean="0"/>
+              <a:t>Week 6 – Layouts &amp; Sprites Drawn out &amp; Coded</a:t>
+            </a:r>
+          </a:p>
+          <a:p>
+            <a:r>
+              <a:rPr lang="en-US" sz="2400" dirty="0" smtClean="0"/>
+              <a:t>Week 8 – Match Aspect of the Game implemented</a:t>
+            </a:r>
+          </a:p>
+          <a:p>
+            <a:r>
+              <a:rPr lang="en-US" sz="2400" dirty="0" smtClean="0"/>
+              <a:t>Week 13 – Have First Implementation of Game for testing</a:t>
+            </a:r>
+          </a:p>
+          <a:p>
+            <a:r>
+              <a:rPr lang="en-US" sz="2400" dirty="0" smtClean="0"/>
+              <a:t>Week  16 – Testing Finished and </a:t>
+            </a:r>
+            <a:r>
+              <a:rPr lang="en-US" sz="2400" smtClean="0"/>
+              <a:t>Game Finished</a:t>
+            </a:r>
+            <a:endParaRPr lang="en-US" sz="2400" dirty="0" smtClean="0"/>
+          </a:p>
+          <a:p>
+            <a:endParaRPr lang="en-US" sz="2400" dirty="0"/>
+          </a:p>
+        </p:txBody>
+      </p:sp>
+    </p:spTree>
+    <p:extLst>
+      <p:ext uri="{BB962C8B-B14F-4D97-AF65-F5344CB8AC3E}">
+        <p14:creationId xmlns:p14="http://schemas.microsoft.com/office/powerpoint/2010/main" val="133876077"/>
+      </p:ext>
+    </p:extLst>
+  </p:cSld>
+  <p:clrMapOvr>
+    <a:masterClrMapping/>
+  </p:clrMapOvr>
+  <p:timing>
+    <p:tnLst>
+      <p:par>
+        <p:cTn id="1" dur="indefinite" restart="never" nodeType="tmRoot"/>
+      </p:par>
+    </p:tnLst>
+  </p:timing>
+</p:sld>
+</file>
+
+<file path=ppt/slides/slide11.xml><?xml version="1.0" encoding="utf-8"?>
+<p:sld xmlns:a="http://schemas.openxmlformats.org/drawingml/2006/main" xmlns:r="http://schemas.openxmlformats.org/officeDocument/2006/relationships" xmlns:p="http://schemas.openxmlformats.org/presentationml/2006/main">
+  <p:cSld>
+    <p:spTree>
+      <p:nvGrpSpPr>
+        <p:cNvPr id="1" name=""/>
+        <p:cNvGrpSpPr/>
+        <p:nvPr/>
+      </p:nvGrpSpPr>
+      <p:grpSpPr>
+        <a:xfrm>
+          <a:off x="0" y="0"/>
+          <a:ext cx="0" cy="0"/>
+          <a:chOff x="0" y="0"/>
+          <a:chExt cx="0" cy="0"/>
+        </a:xfrm>
+      </p:grpSpPr>
+      <p:sp>
+        <p:nvSpPr>
+          <p:cNvPr id="2" name="Title 1"/>
+          <p:cNvSpPr>
+            <a:spLocks noGrp="1"/>
+          </p:cNvSpPr>
+          <p:nvPr>
+            <p:ph type="title"/>
+          </p:nvPr>
+        </p:nvSpPr>
+        <p:spPr>
+          <a:xfrm>
+            <a:off x="753534" y="2895600"/>
+            <a:ext cx="8596668" cy="1320800"/>
+          </a:xfrm>
+        </p:spPr>
+        <p:txBody>
+          <a:bodyPr>
+            <a:normAutofit/>
+          </a:bodyPr>
+          <a:lstStyle/>
+          <a:p>
+            <a:pPr algn="ctr"/>
+            <a:r>
+              <a:rPr lang="en-US" sz="7200" dirty="0" smtClean="0"/>
+              <a:t>Conclusion</a:t>
+            </a:r>
+            <a:endParaRPr lang="en-US" sz="7200" dirty="0"/>
+          </a:p>
+        </p:txBody>
+      </p:sp>
+    </p:spTree>
+    <p:extLst>
+      <p:ext uri="{BB962C8B-B14F-4D97-AF65-F5344CB8AC3E}">
+        <p14:creationId xmlns:p14="http://schemas.microsoft.com/office/powerpoint/2010/main" val="2713488986"/>
+      </p:ext>
+    </p:extLst>
+  </p:cSld>
+  <p:clrMapOvr>
+    <a:masterClrMapping/>
+  </p:clrMapOvr>
+  <p:timing>
+    <p:tnLst>
+      <p:par>
+        <p:cTn id="1" dur="indefinite" restart="never" nodeType="tmRoot"/>
+      </p:par>
+    </p:tnLst>
+  </p:timing>
+</p:sld>
+</file>
+
+<file path=ppt/slides/slide12.xml><?xml version="1.0" encoding="utf-8"?>
+<p:sld xmlns:a="http://schemas.openxmlformats.org/drawingml/2006/main" xmlns:r="http://schemas.openxmlformats.org/officeDocument/2006/relationships" xmlns:p="http://schemas.openxmlformats.org/presentationml/2006/main">
+  <p:cSld>
+    <p:spTree>
+      <p:nvGrpSpPr>
+        <p:cNvPr id="1" name=""/>
+        <p:cNvGrpSpPr/>
+        <p:nvPr/>
+      </p:nvGrpSpPr>
+      <p:grpSpPr>
+        <a:xfrm>
+          <a:off x="0" y="0"/>
+          <a:ext cx="0" cy="0"/>
+          <a:chOff x="0" y="0"/>
+          <a:chExt cx="0" cy="0"/>
+        </a:xfrm>
+      </p:grpSpPr>
+      <p:sp>
+        <p:nvSpPr>
+          <p:cNvPr id="2" name="Title 1"/>
+          <p:cNvSpPr>
+            <a:spLocks noGrp="1"/>
+          </p:cNvSpPr>
+          <p:nvPr>
+            <p:ph type="title"/>
+          </p:nvPr>
+        </p:nvSpPr>
+        <p:spPr>
+          <a:xfrm>
+            <a:off x="753534" y="2990850"/>
+            <a:ext cx="8596668" cy="1320800"/>
+          </a:xfrm>
+        </p:spPr>
+        <p:txBody>
+          <a:bodyPr>
+            <a:normAutofit/>
+          </a:bodyPr>
+          <a:lstStyle/>
+          <a:p>
+            <a:pPr algn="ctr"/>
+            <a:r>
+              <a:rPr lang="en-US" sz="7200" dirty="0" smtClean="0"/>
+              <a:t>Questions?</a:t>
+            </a:r>
+            <a:endParaRPr lang="en-US" sz="7200" dirty="0"/>
+          </a:p>
+        </p:txBody>
+      </p:sp>
+    </p:spTree>
+    <p:extLst>
+      <p:ext uri="{BB962C8B-B14F-4D97-AF65-F5344CB8AC3E}">
+        <p14:creationId xmlns:p14="http://schemas.microsoft.com/office/powerpoint/2010/main" val="2163664367"/>
+      </p:ext>
+    </p:extLst>
+  </p:cSld>
+  <p:clrMapOvr>
+    <a:masterClrMapping/>
+  </p:clrMapOvr>
+  <p:timing>
+    <p:tnLst>
+      <p:par>
+        <p:cTn id="1" dur="indefinite" restart="never" nodeType="tmRoot"/>
+      </p:par>
+    </p:tnLst>
+  </p:timing>
+</p:sld>
+</file>
+
 <file path=ppt/slides/slide2.xml><?xml version="1.0" encoding="utf-8"?>
 <p:sld xmlns:a="http://schemas.openxmlformats.org/drawingml/2006/main" xmlns:r="http://schemas.openxmlformats.org/officeDocument/2006/relationships" xmlns:p="http://schemas.openxmlformats.org/presentationml/2006/main">
   <p:cSld>
@@ -6236,10 +6498,40 @@
         </p:nvSpPr>
         <p:spPr/>
         <p:txBody>
-          <a:bodyPr/>
-          <a:lstStyle/>
-          <a:p>
-            <a:endParaRPr lang="en-US" dirty="0"/>
+          <a:bodyPr>
+            <a:normAutofit/>
+          </a:bodyPr>
+          <a:lstStyle/>
+          <a:p>
+            <a:r>
+              <a:rPr lang="en-US" sz="2000" dirty="0" smtClean="0"/>
+              <a:t>Challenging Project</a:t>
+            </a:r>
+          </a:p>
+          <a:p>
+            <a:r>
+              <a:rPr lang="en-US" sz="2000" dirty="0" smtClean="0"/>
+              <a:t>Draws upon Knowledge from Previous Classes</a:t>
+            </a:r>
+          </a:p>
+          <a:p>
+            <a:r>
+              <a:rPr lang="en-US" sz="2000" dirty="0" smtClean="0"/>
+              <a:t>With Research still needed, should be semester long project</a:t>
+            </a:r>
+            <a:endParaRPr lang="en-US" dirty="0" smtClean="0"/>
+          </a:p>
+          <a:p>
+            <a:r>
+              <a:rPr lang="en-US" sz="2000" dirty="0" smtClean="0"/>
+              <a:t>Mobile Video Games are big</a:t>
+            </a:r>
+          </a:p>
+          <a:p>
+            <a:r>
+              <a:rPr lang="en-US" sz="2000" dirty="0" smtClean="0"/>
+              <a:t>Soccer + Video Games</a:t>
+            </a:r>
           </a:p>
         </p:txBody>
       </p:sp>
@@ -6253,6 +6545,13 @@
   <p:clrMapOvr>
     <a:masterClrMapping/>
   </p:clrMapOvr>
+  <p:timing>
+    <p:tnLst>
+      <p:par>
+        <p:cTn id="1" dur="indefinite" restart="never" nodeType="tmRoot"/>
+      </p:par>
+    </p:tnLst>
+  </p:timing>
 </p:sld>
 </file>
 
@@ -6333,6 +6632,13 @@
   <p:clrMapOvr>
     <a:masterClrMapping/>
   </p:clrMapOvr>
+  <p:timing>
+    <p:tnLst>
+      <p:par>
+        <p:cTn id="1" dur="indefinite" restart="never" nodeType="tmRoot"/>
+      </p:par>
+    </p:tnLst>
+  </p:timing>
 </p:sld>
 </file>
 
@@ -6368,7 +6674,12 @@
           <a:bodyPr/>
           <a:lstStyle/>
           <a:p>
-            <a:endParaRPr lang="en-US"/>
+            <a:pPr algn="ctr"/>
+            <a:r>
+              <a:rPr lang="en-US" dirty="0" smtClean="0"/>
+              <a:t>Operations Description</a:t>
+            </a:r>
+            <a:endParaRPr lang="en-US" dirty="0"/>
           </a:p>
         </p:txBody>
       </p:sp>
@@ -6384,10 +6695,35 @@
         </p:nvSpPr>
         <p:spPr/>
         <p:txBody>
-          <a:bodyPr/>
-          <a:lstStyle/>
-          <a:p>
-            <a:endParaRPr lang="en-US"/>
+          <a:bodyPr>
+            <a:normAutofit/>
+          </a:bodyPr>
+          <a:lstStyle/>
+          <a:p>
+            <a:r>
+              <a:rPr lang="en-US" sz="2000" dirty="0" smtClean="0"/>
+              <a:t>Game Play (previous)</a:t>
+            </a:r>
+          </a:p>
+          <a:p>
+            <a:r>
+              <a:rPr lang="en-US" sz="2000" dirty="0" smtClean="0"/>
+              <a:t>Menus</a:t>
+            </a:r>
+          </a:p>
+          <a:p>
+            <a:r>
+              <a:rPr lang="en-US" sz="2000" dirty="0" smtClean="0"/>
+              <a:t>Online Play</a:t>
+            </a:r>
+          </a:p>
+          <a:p>
+            <a:pPr lvl="1"/>
+            <a:r>
+              <a:rPr lang="en-US" dirty="0" smtClean="0"/>
+              <a:t>Still researching</a:t>
+            </a:r>
+            <a:endParaRPr lang="en-US" dirty="0"/>
           </a:p>
         </p:txBody>
       </p:sp>
@@ -6401,6 +6737,13 @@
   <p:clrMapOvr>
     <a:masterClrMapping/>
   </p:clrMapOvr>
+  <p:timing>
+    <p:tnLst>
+      <p:par>
+        <p:cTn id="1" dur="indefinite" restart="never" nodeType="tmRoot"/>
+      </p:par>
+    </p:tnLst>
+  </p:timing>
 </p:sld>
 </file>
 
@@ -6436,7 +6779,12 @@
           <a:bodyPr/>
           <a:lstStyle/>
           <a:p>
-            <a:endParaRPr lang="en-US"/>
+            <a:pPr algn="ctr"/>
+            <a:r>
+              <a:rPr lang="en-US" dirty="0" smtClean="0"/>
+              <a:t>Technologies</a:t>
+            </a:r>
+            <a:endParaRPr lang="en-US" dirty="0"/>
           </a:p>
         </p:txBody>
       </p:sp>
@@ -6450,12 +6798,102 @@
             <p:ph idx="1"/>
           </p:nvPr>
         </p:nvSpPr>
-        <p:spPr/>
-        <p:txBody>
-          <a:bodyPr/>
-          <a:lstStyle/>
-          <a:p>
-            <a:endParaRPr lang="en-US"/>
+        <p:spPr>
+          <a:xfrm>
+            <a:off x="677334" y="1466850"/>
+            <a:ext cx="8596668" cy="4819650"/>
+          </a:xfrm>
+        </p:spPr>
+        <p:txBody>
+          <a:bodyPr>
+            <a:normAutofit/>
+          </a:bodyPr>
+          <a:lstStyle/>
+          <a:p>
+            <a:r>
+              <a:rPr lang="en-US" sz="2000" dirty="0" smtClean="0"/>
+              <a:t>Hardware</a:t>
+            </a:r>
+          </a:p>
+          <a:p>
+            <a:pPr lvl="1"/>
+            <a:r>
+              <a:rPr lang="en-US" sz="1800" dirty="0" smtClean="0"/>
+              <a:t>Windows 8.1 PC</a:t>
+            </a:r>
+          </a:p>
+          <a:p>
+            <a:pPr lvl="1"/>
+            <a:r>
+              <a:rPr lang="en-US" sz="1800" dirty="0" smtClean="0"/>
+              <a:t>Google Nexus 5 with Android 5.0 Lollipop</a:t>
+            </a:r>
+          </a:p>
+          <a:p>
+            <a:r>
+              <a:rPr lang="en-US" sz="2000" dirty="0" smtClean="0"/>
+              <a:t>Android Studio Bundle</a:t>
+            </a:r>
+          </a:p>
+          <a:p>
+            <a:pPr lvl="1"/>
+            <a:r>
+              <a:rPr lang="en-US" sz="1800" dirty="0"/>
+              <a:t>Official Integrated Development Environment (IDE) for android</a:t>
+            </a:r>
+          </a:p>
+          <a:p>
+            <a:pPr lvl="1"/>
+            <a:r>
+              <a:rPr lang="en-US" sz="1800" dirty="0"/>
+              <a:t>Graphics User </a:t>
+            </a:r>
+            <a:r>
+              <a:rPr lang="en-US" sz="1800" dirty="0" smtClean="0"/>
+              <a:t>Interface (GUI) </a:t>
+            </a:r>
+            <a:r>
+              <a:rPr lang="en-US" sz="1800" dirty="0"/>
+              <a:t>access</a:t>
+            </a:r>
+          </a:p>
+          <a:p>
+            <a:pPr lvl="1"/>
+            <a:r>
+              <a:rPr lang="en-US" sz="1800" dirty="0"/>
+              <a:t>Android Software Development </a:t>
+            </a:r>
+            <a:r>
+              <a:rPr lang="en-US" sz="1800" dirty="0" smtClean="0"/>
+              <a:t>Kit</a:t>
+            </a:r>
+          </a:p>
+          <a:p>
+            <a:r>
+              <a:rPr lang="en-US" sz="2000" dirty="0" smtClean="0"/>
+              <a:t>Java</a:t>
+            </a:r>
+          </a:p>
+          <a:p>
+            <a:pPr lvl="1"/>
+            <a:r>
+              <a:rPr lang="en-US" sz="1800" dirty="0" smtClean="0"/>
+              <a:t>Java Game Development Framework</a:t>
+            </a:r>
+            <a:endParaRPr lang="en-US" sz="1800" dirty="0"/>
+          </a:p>
+          <a:p>
+            <a:r>
+              <a:rPr lang="en-US" sz="2000" dirty="0" smtClean="0"/>
+              <a:t>XML</a:t>
+            </a:r>
+          </a:p>
+          <a:p>
+            <a:pPr lvl="1"/>
+            <a:r>
+              <a:rPr lang="en-US" sz="1800" dirty="0" smtClean="0"/>
+              <a:t>Create Layouts and the GUI representation</a:t>
+            </a:r>
           </a:p>
         </p:txBody>
       </p:sp>
@@ -6469,6 +6907,13 @@
   <p:clrMapOvr>
     <a:masterClrMapping/>
   </p:clrMapOvr>
+  <p:timing>
+    <p:tnLst>
+      <p:par>
+        <p:cTn id="1" dur="indefinite" restart="never" nodeType="tmRoot"/>
+      </p:par>
+    </p:tnLst>
+  </p:timing>
 </p:sld>
 </file>
 
@@ -6499,31 +6944,24 @@
             <p:ph type="title"/>
           </p:nvPr>
         </p:nvSpPr>
-        <p:spPr/>
-        <p:txBody>
-          <a:bodyPr/>
-          <a:lstStyle/>
-          <a:p>
-            <a:endParaRPr lang="en-US"/>
-          </a:p>
-        </p:txBody>
-      </p:sp>
-      <p:sp>
-        <p:nvSpPr>
-          <p:cNvPr id="3" name="Content Placeholder 2"/>
-          <p:cNvSpPr>
-            <a:spLocks noGrp="1"/>
-          </p:cNvSpPr>
-          <p:nvPr>
-            <p:ph idx="1"/>
-          </p:nvPr>
-        </p:nvSpPr>
-        <p:spPr/>
-        <p:txBody>
-          <a:bodyPr/>
-          <a:lstStyle/>
-          <a:p>
-            <a:endParaRPr lang="en-US"/>
+        <p:spPr>
+          <a:xfrm>
+            <a:off x="677334" y="2780175"/>
+            <a:ext cx="8596668" cy="1320800"/>
+          </a:xfrm>
+        </p:spPr>
+        <p:txBody>
+          <a:bodyPr>
+            <a:normAutofit/>
+          </a:bodyPr>
+          <a:lstStyle/>
+          <a:p>
+            <a:pPr algn="ctr"/>
+            <a:r>
+              <a:rPr lang="en-US" sz="7200" dirty="0" smtClean="0"/>
+              <a:t>Game Inspiration</a:t>
+            </a:r>
+            <a:endParaRPr lang="en-US" sz="7200" dirty="0"/>
           </a:p>
         </p:txBody>
       </p:sp>
@@ -6537,6 +6975,13 @@
   <p:clrMapOvr>
     <a:masterClrMapping/>
   </p:clrMapOvr>
+  <p:timing>
+    <p:tnLst>
+      <p:par>
+        <p:cTn id="1" dur="indefinite" restart="never" nodeType="tmRoot"/>
+      </p:par>
+    </p:tnLst>
+  </p:timing>
 </p:sld>
 </file>
 
@@ -6572,7 +7017,12 @@
           <a:bodyPr/>
           <a:lstStyle/>
           <a:p>
-            <a:endParaRPr lang="en-US"/>
+            <a:pPr algn="ctr"/>
+            <a:r>
+              <a:rPr lang="en-US" dirty="0" smtClean="0"/>
+              <a:t>Preliminary Schedule</a:t>
+            </a:r>
+            <a:endParaRPr lang="en-US" dirty="0"/>
           </a:p>
         </p:txBody>
       </p:sp>
@@ -6588,23 +7038,44 @@
         </p:nvSpPr>
         <p:spPr/>
         <p:txBody>
-          <a:bodyPr/>
-          <a:lstStyle/>
-          <a:p>
-            <a:endParaRPr lang="en-US"/>
+          <a:bodyPr>
+            <a:normAutofit/>
+          </a:bodyPr>
+          <a:lstStyle/>
+          <a:p>
+            <a:r>
+              <a:rPr lang="en-US" sz="2400" dirty="0" smtClean="0"/>
+              <a:t>Week 3 – Preliminary Research</a:t>
+            </a:r>
+          </a:p>
+          <a:p>
+            <a:r>
+              <a:rPr lang="en-US" sz="2400" dirty="0" smtClean="0"/>
+              <a:t>Week 4 – Layouts &amp; Sprites Drawn out</a:t>
+            </a:r>
+          </a:p>
+          <a:p>
+            <a:endParaRPr lang="en-US" sz="2400" dirty="0"/>
           </a:p>
         </p:txBody>
       </p:sp>
     </p:spTree>
     <p:extLst>
       <p:ext uri="{BB962C8B-B14F-4D97-AF65-F5344CB8AC3E}">
-        <p14:creationId xmlns:p14="http://schemas.microsoft.com/office/powerpoint/2010/main" val="2713488986"/>
+        <p14:creationId xmlns:p14="http://schemas.microsoft.com/office/powerpoint/2010/main" val="970924376"/>
       </p:ext>
     </p:extLst>
   </p:cSld>
   <p:clrMapOvr>
     <a:masterClrMapping/>
   </p:clrMapOvr>
+  <p:timing>
+    <p:tnLst>
+      <p:par>
+        <p:cTn id="1" dur="indefinite" restart="never" nodeType="tmRoot"/>
+      </p:par>
+    </p:tnLst>
+  </p:timing>
 </p:sld>
 </file>
 

--- a/Project-Proposal/Section 3.0/Flick Stick Presentation.pptx
+++ b/Project-Proposal/Section 3.0/Flick Stick Presentation.pptx
@@ -13,10 +13,9 @@
     <p:sldId id="264" r:id="rId7"/>
     <p:sldId id="265" r:id="rId8"/>
     <p:sldId id="266" r:id="rId9"/>
-    <p:sldId id="268" r:id="rId10"/>
-    <p:sldId id="269" r:id="rId11"/>
-    <p:sldId id="257" r:id="rId12"/>
-    <p:sldId id="267" r:id="rId13"/>
+    <p:sldId id="269" r:id="rId10"/>
+    <p:sldId id="257" r:id="rId11"/>
+    <p:sldId id="267" r:id="rId12"/>
   </p:sldIdLst>
   <p:sldSz cx="12192000" cy="6858000"/>
   <p:notesSz cx="6858000" cy="9144000"/>
@@ -115,6 +114,11 @@
       </a:defRPr>
     </a:lvl9pPr>
   </p:defaultTextStyle>
+  <p:extLst>
+    <p:ext uri="{EFAFB233-063F-42B5-8137-9DF3F51BA10A}">
+      <p15:sldGuideLst xmlns:p15="http://schemas.microsoft.com/office/powerpoint/2012/main"/>
+    </p:ext>
+  </p:extLst>
 </p:presentation>
 </file>
 
@@ -5933,129 +5937,6 @@
             <p:ph type="title"/>
           </p:nvPr>
         </p:nvSpPr>
-        <p:spPr/>
-        <p:txBody>
-          <a:bodyPr/>
-          <a:lstStyle/>
-          <a:p>
-            <a:pPr algn="ctr"/>
-            <a:r>
-              <a:rPr lang="en-US" dirty="0" smtClean="0"/>
-              <a:t>Preliminary Schedule</a:t>
-            </a:r>
-            <a:endParaRPr lang="en-US" dirty="0"/>
-          </a:p>
-        </p:txBody>
-      </p:sp>
-      <p:sp>
-        <p:nvSpPr>
-          <p:cNvPr id="3" name="Content Placeholder 2"/>
-          <p:cNvSpPr>
-            <a:spLocks noGrp="1"/>
-          </p:cNvSpPr>
-          <p:nvPr>
-            <p:ph idx="1"/>
-          </p:nvPr>
-        </p:nvSpPr>
-        <p:spPr/>
-        <p:txBody>
-          <a:bodyPr>
-            <a:normAutofit/>
-          </a:bodyPr>
-          <a:lstStyle/>
-          <a:p>
-            <a:r>
-              <a:rPr lang="en-US" sz="2400" dirty="0" smtClean="0"/>
-              <a:t>Week 3 – Preliminary Research</a:t>
-            </a:r>
-          </a:p>
-          <a:p>
-            <a:r>
-              <a:rPr lang="en-US" sz="2400" dirty="0" smtClean="0"/>
-              <a:t>Week 4 - Java</a:t>
-            </a:r>
-          </a:p>
-          <a:p>
-            <a:r>
-              <a:rPr lang="en-US" sz="2400" dirty="0" smtClean="0"/>
-              <a:t>Week 6 – Layouts &amp; Sprites Drawn out &amp; Coded</a:t>
-            </a:r>
-          </a:p>
-          <a:p>
-            <a:r>
-              <a:rPr lang="en-US" sz="2400" dirty="0" smtClean="0"/>
-              <a:t>Week 8 – Match Aspect of the Game implemented</a:t>
-            </a:r>
-          </a:p>
-          <a:p>
-            <a:r>
-              <a:rPr lang="en-US" sz="2400" dirty="0" smtClean="0"/>
-              <a:t>Week 13 – Have First Implementation of Game for testing</a:t>
-            </a:r>
-          </a:p>
-          <a:p>
-            <a:r>
-              <a:rPr lang="en-US" sz="2400" dirty="0" smtClean="0"/>
-              <a:t>Week  16 – Testing Finished and </a:t>
-            </a:r>
-            <a:r>
-              <a:rPr lang="en-US" sz="2400" smtClean="0"/>
-              <a:t>Game Finished</a:t>
-            </a:r>
-            <a:endParaRPr lang="en-US" sz="2400" dirty="0" smtClean="0"/>
-          </a:p>
-          <a:p>
-            <a:endParaRPr lang="en-US" sz="2400" dirty="0"/>
-          </a:p>
-        </p:txBody>
-      </p:sp>
-    </p:spTree>
-    <p:extLst>
-      <p:ext uri="{BB962C8B-B14F-4D97-AF65-F5344CB8AC3E}">
-        <p14:creationId xmlns:p14="http://schemas.microsoft.com/office/powerpoint/2010/main" val="133876077"/>
-      </p:ext>
-    </p:extLst>
-  </p:cSld>
-  <p:clrMapOvr>
-    <a:masterClrMapping/>
-  </p:clrMapOvr>
-  <p:timing>
-    <p:tnLst>
-      <p:par>
-        <p:cTn id="1" dur="indefinite" restart="never" nodeType="tmRoot"/>
-      </p:par>
-    </p:tnLst>
-  </p:timing>
-</p:sld>
-</file>
-
-<file path=ppt/slides/slide11.xml><?xml version="1.0" encoding="utf-8"?>
-<p:sld xmlns:a="http://schemas.openxmlformats.org/drawingml/2006/main" xmlns:r="http://schemas.openxmlformats.org/officeDocument/2006/relationships" xmlns:p="http://schemas.openxmlformats.org/presentationml/2006/main">
-  <p:cSld>
-    <p:spTree>
-      <p:nvGrpSpPr>
-        <p:cNvPr id="1" name=""/>
-        <p:cNvGrpSpPr/>
-        <p:nvPr/>
-      </p:nvGrpSpPr>
-      <p:grpSpPr>
-        <a:xfrm>
-          <a:off x="0" y="0"/>
-          <a:ext cx="0" cy="0"/>
-          <a:chOff x="0" y="0"/>
-          <a:chExt cx="0" cy="0"/>
-        </a:xfrm>
-      </p:grpSpPr>
-      <p:sp>
-        <p:nvSpPr>
-          <p:cNvPr id="2" name="Title 1"/>
-          <p:cNvSpPr>
-            <a:spLocks noGrp="1"/>
-          </p:cNvSpPr>
-          <p:nvPr>
-            <p:ph type="title"/>
-          </p:nvPr>
-        </p:nvSpPr>
         <p:spPr>
           <a:xfrm>
             <a:off x="753534" y="2895600"/>
@@ -6097,7 +5978,7 @@
 </p:sld>
 </file>
 
-<file path=ppt/slides/slide12.xml><?xml version="1.0" encoding="utf-8"?>
+<file path=ppt/slides/slide11.xml><?xml version="1.0" encoding="utf-8"?>
 <p:sld xmlns:a="http://schemas.openxmlformats.org/drawingml/2006/main" xmlns:r="http://schemas.openxmlformats.org/officeDocument/2006/relationships" xmlns:p="http://schemas.openxmlformats.org/presentationml/2006/main">
   <p:cSld>
     <p:spTree>
@@ -7051,8 +6932,37 @@
           <a:p>
             <a:r>
               <a:rPr lang="en-US" sz="2400" dirty="0" smtClean="0"/>
-              <a:t>Week 4 – Layouts &amp; Sprites Drawn out</a:t>
-            </a:r>
+              <a:t>Week 4 - Java</a:t>
+            </a:r>
+          </a:p>
+          <a:p>
+            <a:r>
+              <a:rPr lang="en-US" sz="2400" dirty="0" smtClean="0"/>
+              <a:t>Week 6 – Layouts &amp; Sprites Drawn out &amp; Coded</a:t>
+            </a:r>
+          </a:p>
+          <a:p>
+            <a:r>
+              <a:rPr lang="en-US" sz="2400" dirty="0" smtClean="0"/>
+              <a:t>Week 8 – Match Aspect of the Game implemented</a:t>
+            </a:r>
+          </a:p>
+          <a:p>
+            <a:r>
+              <a:rPr lang="en-US" sz="2400" dirty="0" smtClean="0"/>
+              <a:t>Week 13 – Have First Implementation of Game for testing</a:t>
+            </a:r>
+          </a:p>
+          <a:p>
+            <a:r>
+              <a:rPr lang="en-US" sz="2400" dirty="0" smtClean="0"/>
+              <a:t>Week  16 – Testing Finished and </a:t>
+            </a:r>
+            <a:r>
+              <a:rPr lang="en-US" sz="2400" smtClean="0"/>
+              <a:t>Game Finished</a:t>
+            </a:r>
+            <a:endParaRPr lang="en-US" sz="2400" dirty="0" smtClean="0"/>
           </a:p>
           <a:p>
             <a:endParaRPr lang="en-US" sz="2400" dirty="0"/>
@@ -7062,7 +6972,7 @@
     </p:spTree>
     <p:extLst>
       <p:ext uri="{BB962C8B-B14F-4D97-AF65-F5344CB8AC3E}">
-        <p14:creationId xmlns:p14="http://schemas.microsoft.com/office/powerpoint/2010/main" val="970924376"/>
+        <p14:creationId xmlns:p14="http://schemas.microsoft.com/office/powerpoint/2010/main" val="133876077"/>
       </p:ext>
     </p:extLst>
   </p:cSld>

--- a/Project-Proposal/Section 3.0/Flick Stick Presentation.pptx
+++ b/Project-Proposal/Section 3.0/Flick Stick Presentation.pptx
@@ -868,7 +868,7 @@
             <a:fld id="{B61BEF0D-F0BB-DE4B-95CE-6DB70DBA9567}" type="datetimeFigureOut">
               <a:rPr lang="en-US" dirty="0"/>
               <a:pPr/>
-              <a:t>1/21/2015</a:t>
+              <a:t>3/18/2015</a:t>
             </a:fld>
             <a:endParaRPr lang="en-US" dirty="0"/>
           </a:p>
@@ -1116,7 +1116,7 @@
             <a:fld id="{B61BEF0D-F0BB-DE4B-95CE-6DB70DBA9567}" type="datetimeFigureOut">
               <a:rPr lang="en-US" dirty="0"/>
               <a:pPr/>
-              <a:t>1/21/2015</a:t>
+              <a:t>3/18/2015</a:t>
             </a:fld>
             <a:endParaRPr lang="en-US" dirty="0"/>
           </a:p>
@@ -1427,7 +1427,7 @@
             <a:fld id="{B61BEF0D-F0BB-DE4B-95CE-6DB70DBA9567}" type="datetimeFigureOut">
               <a:rPr lang="en-US" dirty="0"/>
               <a:pPr/>
-              <a:t>1/21/2015</a:t>
+              <a:t>3/18/2015</a:t>
             </a:fld>
             <a:endParaRPr lang="en-US" dirty="0"/>
           </a:p>
@@ -1757,7 +1757,7 @@
             <a:fld id="{B61BEF0D-F0BB-DE4B-95CE-6DB70DBA9567}" type="datetimeFigureOut">
               <a:rPr lang="en-US" dirty="0"/>
               <a:pPr/>
-              <a:t>1/21/2015</a:t>
+              <a:t>3/18/2015</a:t>
             </a:fld>
             <a:endParaRPr lang="en-US" dirty="0"/>
           </a:p>
@@ -2068,7 +2068,7 @@
             <a:fld id="{B61BEF0D-F0BB-DE4B-95CE-6DB70DBA9567}" type="datetimeFigureOut">
               <a:rPr lang="en-US" dirty="0"/>
               <a:pPr/>
-              <a:t>1/21/2015</a:t>
+              <a:t>3/18/2015</a:t>
             </a:fld>
             <a:endParaRPr lang="en-US" dirty="0"/>
           </a:p>
@@ -2458,7 +2458,7 @@
             <a:fld id="{B61BEF0D-F0BB-DE4B-95CE-6DB70DBA9567}" type="datetimeFigureOut">
               <a:rPr lang="en-US" dirty="0"/>
               <a:pPr/>
-              <a:t>1/21/2015</a:t>
+              <a:t>3/18/2015</a:t>
             </a:fld>
             <a:endParaRPr lang="en-US" dirty="0"/>
           </a:p>
@@ -2624,7 +2624,7 @@
           <a:p>
             <a:fld id="{55C6B4A9-1611-4792-9094-5F34BCA07E0B}" type="datetimeFigureOut">
               <a:rPr lang="en-US" dirty="0"/>
-              <a:t>1/21/2015</a:t>
+              <a:t>3/18/2015</a:t>
             </a:fld>
             <a:endParaRPr lang="en-US" dirty="0"/>
           </a:p>
@@ -2800,7 +2800,7 @@
             <a:fld id="{B61BEF0D-F0BB-DE4B-95CE-6DB70DBA9567}" type="datetimeFigureOut">
               <a:rPr lang="en-US" dirty="0"/>
               <a:pPr/>
-              <a:t>1/21/2015</a:t>
+              <a:t>3/18/2015</a:t>
             </a:fld>
             <a:endParaRPr lang="en-US" dirty="0"/>
           </a:p>
@@ -2966,7 +2966,7 @@
           <a:p>
             <a:fld id="{42A54C80-263E-416B-A8E0-580EDEADCBDC}" type="datetimeFigureOut">
               <a:rPr lang="en-US" dirty="0"/>
-              <a:t>1/21/2015</a:t>
+              <a:t>3/18/2015</a:t>
             </a:fld>
             <a:endParaRPr lang="en-US" dirty="0"/>
           </a:p>
@@ -3209,7 +3209,7 @@
             <a:fld id="{B61BEF0D-F0BB-DE4B-95CE-6DB70DBA9567}" type="datetimeFigureOut">
               <a:rPr lang="en-US" dirty="0"/>
               <a:pPr/>
-              <a:t>1/21/2015</a:t>
+              <a:t>3/18/2015</a:t>
             </a:fld>
             <a:endParaRPr lang="en-US" dirty="0"/>
           </a:p>
@@ -3437,7 +3437,7 @@
           <a:p>
             <a:fld id="{42A54C80-263E-416B-A8E0-580EDEADCBDC}" type="datetimeFigureOut">
               <a:rPr lang="en-US" dirty="0"/>
-              <a:t>1/21/2015</a:t>
+              <a:t>3/18/2015</a:t>
             </a:fld>
             <a:endParaRPr lang="en-US" dirty="0"/>
           </a:p>
@@ -3807,7 +3807,7 @@
             <a:fld id="{B61BEF0D-F0BB-DE4B-95CE-6DB70DBA9567}" type="datetimeFigureOut">
               <a:rPr lang="en-US" dirty="0"/>
               <a:pPr/>
-              <a:t>1/21/2015</a:t>
+              <a:t>3/18/2015</a:t>
             </a:fld>
             <a:endParaRPr lang="en-US" dirty="0"/>
           </a:p>
@@ -3927,7 +3927,7 @@
             <a:fld id="{B61BEF0D-F0BB-DE4B-95CE-6DB70DBA9567}" type="datetimeFigureOut">
               <a:rPr lang="en-US" dirty="0"/>
               <a:pPr/>
-              <a:t>1/21/2015</a:t>
+              <a:t>3/18/2015</a:t>
             </a:fld>
             <a:endParaRPr lang="en-US" dirty="0"/>
           </a:p>
@@ -4019,7 +4019,7 @@
             <a:fld id="{B61BEF0D-F0BB-DE4B-95CE-6DB70DBA9567}" type="datetimeFigureOut">
               <a:rPr lang="en-US" dirty="0"/>
               <a:pPr/>
-              <a:t>1/21/2015</a:t>
+              <a:t>3/18/2015</a:t>
             </a:fld>
             <a:endParaRPr lang="en-US" dirty="0"/>
           </a:p>
@@ -4270,7 +4270,7 @@
           <a:p>
             <a:fld id="{42A54C80-263E-416B-A8E0-580EDEADCBDC}" type="datetimeFigureOut">
               <a:rPr lang="en-US" dirty="0"/>
-              <a:t>1/21/2015</a:t>
+              <a:t>3/18/2015</a:t>
             </a:fld>
             <a:endParaRPr lang="en-US" dirty="0"/>
           </a:p>
@@ -4572,7 +4572,7 @@
             <a:fld id="{B61BEF0D-F0BB-DE4B-95CE-6DB70DBA9567}" type="datetimeFigureOut">
               <a:rPr lang="en-US" dirty="0"/>
               <a:pPr/>
-              <a:t>1/21/2015</a:t>
+              <a:t>3/18/2015</a:t>
             </a:fld>
             <a:endParaRPr lang="en-US" dirty="0"/>
           </a:p>
@@ -5270,7 +5270,7 @@
             <a:fld id="{B61BEF0D-F0BB-DE4B-95CE-6DB70DBA9567}" type="datetimeFigureOut">
               <a:rPr lang="en-US" dirty="0"/>
               <a:pPr/>
-              <a:t>1/21/2015</a:t>
+              <a:t>3/18/2015</a:t>
             </a:fld>
             <a:endParaRPr lang="en-US" dirty="0"/>
           </a:p>
@@ -5862,7 +5862,11 @@
           <a:p>
             <a:r>
               <a:rPr lang="en-US" sz="2000" dirty="0" smtClean="0"/>
-              <a:t>An Android Mobile Soccer Game</a:t>
+              <a:t>An Android </a:t>
+            </a:r>
+            <a:r>
+              <a:rPr lang="en-US" sz="2000" dirty="0" smtClean="0"/>
+              <a:t>Mobile Soccer Game</a:t>
             </a:r>
           </a:p>
           <a:p>
@@ -5884,7 +5888,11 @@
             </a:pPr>
             <a:r>
               <a:rPr lang="en-US" dirty="0" smtClean="0"/>
-              <a:t>January 21, 2015</a:t>
+              <a:t>January 21, </a:t>
+            </a:r>
+            <a:r>
+              <a:rPr lang="en-US" dirty="0" smtClean="0"/>
+              <a:t>2015</a:t>
             </a:r>
             <a:endParaRPr lang="en-US" dirty="0"/>
           </a:p>
